--- a/unichat.pptx
+++ b/unichat.pptx
@@ -16,6 +16,8 @@
     <p:sldId id="261" r:id="rId13"/>
     <p:sldId id="262" r:id="rId14"/>
     <p:sldId id="263" r:id="rId15"/>
+    <p:sldId id="264" r:id="rId16"/>
+    <p:sldId id="265" r:id="rId17"/>
   </p:sldIdLst>
   <p:sldSz cx="24384000" cy="13716000"/>
   <p:notesSz cx="6858000" cy="9144000"/>
@@ -4336,6 +4338,100 @@
 </p:sld>
 </file>
 
+<file path=ppt/slides/slide10.xml><?xml version="1.0" encoding="utf-8"?>
+<p:sld xmlns:a="http://schemas.openxmlformats.org/drawingml/2006/main" xmlns:r="http://schemas.openxmlformats.org/officeDocument/2006/relationships" xmlns:p="http://schemas.openxmlformats.org/presentationml/2006/main" xmlns:m="http://schemas.openxmlformats.org/officeDocument/2006/math" xmlns:a14="http://schemas.microsoft.com/office/drawing/2010/main" showMasterSp="1" showMasterPhAnim="1">
+  <p:cSld>
+    <p:spTree>
+      <p:nvGrpSpPr>
+        <p:cNvPr id="1" name=""/>
+        <p:cNvGrpSpPr/>
+        <p:nvPr/>
+      </p:nvGrpSpPr>
+      <p:grpSpPr>
+        <a:xfrm>
+          <a:off x="0" y="0"/>
+          <a:ext cx="0" cy="0"/>
+          <a:chOff x="0" y="0"/>
+          <a:chExt cx="0" cy="0"/>
+        </a:xfrm>
+      </p:grpSpPr>
+      <p:sp>
+        <p:nvSpPr>
+          <p:cNvPr id="194" name="支持第三方合约调用"/>
+          <p:cNvSpPr txBox="1"/>
+          <p:nvPr>
+            <p:ph type="title"/>
+          </p:nvPr>
+        </p:nvSpPr>
+        <p:spPr>
+          <a:prstGeom prst="rect">
+            <a:avLst/>
+          </a:prstGeom>
+        </p:spPr>
+        <p:txBody>
+          <a:bodyPr/>
+          <a:lstStyle>
+            <a:lvl1pPr defTabSz="2145738">
+              <a:defRPr spc="-149" sz="7480"/>
+            </a:lvl1pPr>
+          </a:lstStyle>
+          <a:p>
+            <a:pPr/>
+            <a:r>
+              <a:t>支持第三方合约调用</a:t>
+            </a:r>
+          </a:p>
+        </p:txBody>
+      </p:sp>
+      <p:sp>
+        <p:nvSpPr>
+          <p:cNvPr id="195" name="Call(contractAddress,value,data);…"/>
+          <p:cNvSpPr txBox="1"/>
+          <p:nvPr>
+            <p:ph type="body" idx="1"/>
+          </p:nvPr>
+        </p:nvSpPr>
+        <p:spPr>
+          <a:xfrm>
+            <a:off x="1206499" y="2890000"/>
+            <a:ext cx="21971001" cy="8256012"/>
+          </a:xfrm>
+          <a:prstGeom prst="rect">
+            <a:avLst/>
+          </a:prstGeom>
+        </p:spPr>
+        <p:txBody>
+          <a:bodyPr/>
+          <a:lstStyle/>
+          <a:p>
+            <a:pPr/>
+            <a:r>
+              <a:t>Call(contractAddress,value,data);</a:t>
+            </a:r>
+          </a:p>
+          <a:p>
+            <a:pPr/>
+            <a:r>
+              <a:t>Staticcall(contractAddress,value,data);</a:t>
+            </a:r>
+          </a:p>
+          <a:p>
+            <a:pPr/>
+            <a:r>
+              <a:t>自动获取合约 Owner 身份</a:t>
+            </a:r>
+          </a:p>
+        </p:txBody>
+      </p:sp>
+    </p:spTree>
+  </p:cSld>
+  <p:clrMapOvr>
+    <a:masterClrMapping/>
+  </p:clrMapOvr>
+  <p:transition xmlns:p14="http://schemas.microsoft.com/office/powerpoint/2010/main" spd="med" advClick="1"/>
+</p:sld>
+</file>
+
 <file path=ppt/slides/slide2.xml><?xml version="1.0" encoding="utf-8"?>
 <p:sld xmlns:a="http://schemas.openxmlformats.org/drawingml/2006/main" xmlns:r="http://schemas.openxmlformats.org/officeDocument/2006/relationships" xmlns:p="http://schemas.openxmlformats.org/presentationml/2006/main" xmlns:m="http://schemas.openxmlformats.org/officeDocument/2006/math" xmlns:a14="http://schemas.microsoft.com/office/drawing/2010/main" showMasterSp="1" showMasterPhAnim="1">
   <p:cSld>
@@ -4428,7 +4524,7 @@
           <a:p>
             <a:pPr/>
             <a:r>
-              <a:t>未来支持其他功能</a:t>
+              <a:t>未来支持其他 web3 social功能</a:t>
             </a:r>
           </a:p>
         </p:txBody>
@@ -4763,6 +4859,112 @@
           </a:ln>
         </p:spPr>
       </p:pic>
+    </p:spTree>
+  </p:cSld>
+  <p:clrMapOvr>
+    <a:masterClrMapping/>
+  </p:clrMapOvr>
+  <p:transition xmlns:p14="http://schemas.microsoft.com/office/powerpoint/2010/main" spd="med" advClick="1"/>
+</p:sld>
+</file>
+
+<file path=ppt/slides/slide9.xml><?xml version="1.0" encoding="utf-8"?>
+<p:sld xmlns:a="http://schemas.openxmlformats.org/drawingml/2006/main" xmlns:r="http://schemas.openxmlformats.org/officeDocument/2006/relationships" xmlns:p="http://schemas.openxmlformats.org/presentationml/2006/main" xmlns:m="http://schemas.openxmlformats.org/officeDocument/2006/math" xmlns:a14="http://schemas.microsoft.com/office/drawing/2010/main" showMasterSp="1" showMasterPhAnim="1">
+  <p:cSld>
+    <p:spTree>
+      <p:nvGrpSpPr>
+        <p:cNvPr id="1" name=""/>
+        <p:cNvGrpSpPr/>
+        <p:nvPr/>
+      </p:nvGrpSpPr>
+      <p:grpSpPr>
+        <a:xfrm>
+          <a:off x="0" y="0"/>
+          <a:ext cx="0" cy="0"/>
+          <a:chOff x="0" y="0"/>
+          <a:chExt cx="0" cy="0"/>
+        </a:xfrm>
+      </p:grpSpPr>
+      <p:sp>
+        <p:nvSpPr>
+          <p:cNvPr id="191" name="Web3 social 功能"/>
+          <p:cNvSpPr txBox="1"/>
+          <p:nvPr>
+            <p:ph type="title"/>
+          </p:nvPr>
+        </p:nvSpPr>
+        <p:spPr>
+          <a:prstGeom prst="rect">
+            <a:avLst/>
+          </a:prstGeom>
+        </p:spPr>
+        <p:txBody>
+          <a:bodyPr/>
+          <a:lstStyle>
+            <a:lvl1pPr defTabSz="2145738">
+              <a:defRPr spc="-149" sz="7480"/>
+            </a:lvl1pPr>
+          </a:lstStyle>
+          <a:p>
+            <a:pPr/>
+            <a:r>
+              <a:t>Web3 social 功能</a:t>
+            </a:r>
+          </a:p>
+        </p:txBody>
+      </p:sp>
+      <p:sp>
+        <p:nvSpPr>
+          <p:cNvPr id="192" name="转账收款…"/>
+          <p:cNvSpPr txBox="1"/>
+          <p:nvPr>
+            <p:ph type="body" idx="1"/>
+          </p:nvPr>
+        </p:nvSpPr>
+        <p:spPr>
+          <a:xfrm>
+            <a:off x="1206499" y="3120255"/>
+            <a:ext cx="21971001" cy="6648994"/>
+          </a:xfrm>
+          <a:prstGeom prst="rect">
+            <a:avLst/>
+          </a:prstGeom>
+        </p:spPr>
+        <p:txBody>
+          <a:bodyPr/>
+          <a:lstStyle/>
+          <a:p>
+            <a:pPr/>
+            <a:r>
+              <a:t>转账收款</a:t>
+            </a:r>
+          </a:p>
+          <a:p>
+            <a:pPr/>
+            <a:r>
+              <a:t>提案投票</a:t>
+            </a:r>
+          </a:p>
+          <a:p>
+            <a:pPr/>
+            <a:r>
+              <a:t>推荐交易</a:t>
+            </a:r>
+          </a:p>
+          <a:p>
+            <a:pPr/>
+            <a:r>
+              <a:t>借贷收利</a:t>
+            </a:r>
+          </a:p>
+          <a:p>
+            <a:pPr/>
+            <a:r>
+              <a:t>质押挖矿</a:t>
+            </a:r>
+          </a:p>
+        </p:txBody>
+      </p:sp>
     </p:spTree>
   </p:cSld>
   <p:clrMapOvr>
